--- a/doc/overview.pptx
+++ b/doc/overview.pptx
@@ -243,7 +243,7 @@
           <a:p>
             <a:fld id="{25BD4428-D14D-4CEE-A785-8A855102BC60}" type="datetimeFigureOut">
               <a:rPr kumimoji="1" lang="ja-JP" altLang="en-US" smtClean="0"/>
-              <a:t>2016/11/20</a:t>
+              <a:t>2017/7/22</a:t>
             </a:fld>
             <a:endParaRPr kumimoji="1" lang="ja-JP" altLang="en-US"/>
           </a:p>
@@ -445,7 +445,7 @@
           <a:p>
             <a:fld id="{25BD4428-D14D-4CEE-A785-8A855102BC60}" type="datetimeFigureOut">
               <a:rPr kumimoji="1" lang="ja-JP" altLang="en-US" smtClean="0"/>
-              <a:t>2016/11/20</a:t>
+              <a:t>2017/7/22</a:t>
             </a:fld>
             <a:endParaRPr kumimoji="1" lang="ja-JP" altLang="en-US"/>
           </a:p>
@@ -657,7 +657,7 @@
           <a:p>
             <a:fld id="{25BD4428-D14D-4CEE-A785-8A855102BC60}" type="datetimeFigureOut">
               <a:rPr kumimoji="1" lang="ja-JP" altLang="en-US" smtClean="0"/>
-              <a:t>2016/11/20</a:t>
+              <a:t>2017/7/22</a:t>
             </a:fld>
             <a:endParaRPr kumimoji="1" lang="ja-JP" altLang="en-US"/>
           </a:p>
@@ -859,7 +859,7 @@
           <a:p>
             <a:fld id="{25BD4428-D14D-4CEE-A785-8A855102BC60}" type="datetimeFigureOut">
               <a:rPr kumimoji="1" lang="ja-JP" altLang="en-US" smtClean="0"/>
-              <a:t>2016/11/20</a:t>
+              <a:t>2017/7/22</a:t>
             </a:fld>
             <a:endParaRPr kumimoji="1" lang="ja-JP" altLang="en-US"/>
           </a:p>
@@ -1105,7 +1105,7 @@
           <a:p>
             <a:fld id="{25BD4428-D14D-4CEE-A785-8A855102BC60}" type="datetimeFigureOut">
               <a:rPr kumimoji="1" lang="ja-JP" altLang="en-US" smtClean="0"/>
-              <a:t>2016/11/20</a:t>
+              <a:t>2017/7/22</a:t>
             </a:fld>
             <a:endParaRPr kumimoji="1" lang="ja-JP" altLang="en-US"/>
           </a:p>
@@ -1401,7 +1401,7 @@
           <a:p>
             <a:fld id="{25BD4428-D14D-4CEE-A785-8A855102BC60}" type="datetimeFigureOut">
               <a:rPr kumimoji="1" lang="ja-JP" altLang="en-US" smtClean="0"/>
-              <a:t>2016/11/20</a:t>
+              <a:t>2017/7/22</a:t>
             </a:fld>
             <a:endParaRPr kumimoji="1" lang="ja-JP" altLang="en-US"/>
           </a:p>
@@ -1832,7 +1832,7 @@
           <a:p>
             <a:fld id="{25BD4428-D14D-4CEE-A785-8A855102BC60}" type="datetimeFigureOut">
               <a:rPr kumimoji="1" lang="ja-JP" altLang="en-US" smtClean="0"/>
-              <a:t>2016/11/20</a:t>
+              <a:t>2017/7/22</a:t>
             </a:fld>
             <a:endParaRPr kumimoji="1" lang="ja-JP" altLang="en-US"/>
           </a:p>
@@ -1950,7 +1950,7 @@
           <a:p>
             <a:fld id="{25BD4428-D14D-4CEE-A785-8A855102BC60}" type="datetimeFigureOut">
               <a:rPr kumimoji="1" lang="ja-JP" altLang="en-US" smtClean="0"/>
-              <a:t>2016/11/20</a:t>
+              <a:t>2017/7/22</a:t>
             </a:fld>
             <a:endParaRPr kumimoji="1" lang="ja-JP" altLang="en-US"/>
           </a:p>
@@ -2045,7 +2045,7 @@
           <a:p>
             <a:fld id="{25BD4428-D14D-4CEE-A785-8A855102BC60}" type="datetimeFigureOut">
               <a:rPr kumimoji="1" lang="ja-JP" altLang="en-US" smtClean="0"/>
-              <a:t>2016/11/20</a:t>
+              <a:t>2017/7/22</a:t>
             </a:fld>
             <a:endParaRPr kumimoji="1" lang="ja-JP" altLang="en-US"/>
           </a:p>
@@ -2354,7 +2354,7 @@
           <a:p>
             <a:fld id="{25BD4428-D14D-4CEE-A785-8A855102BC60}" type="datetimeFigureOut">
               <a:rPr kumimoji="1" lang="ja-JP" altLang="en-US" smtClean="0"/>
-              <a:t>2016/11/20</a:t>
+              <a:t>2017/7/22</a:t>
             </a:fld>
             <a:endParaRPr kumimoji="1" lang="ja-JP" altLang="en-US"/>
           </a:p>
@@ -2607,7 +2607,7 @@
           <a:p>
             <a:fld id="{25BD4428-D14D-4CEE-A785-8A855102BC60}" type="datetimeFigureOut">
               <a:rPr kumimoji="1" lang="ja-JP" altLang="en-US" smtClean="0"/>
-              <a:t>2016/11/20</a:t>
+              <a:t>2017/7/22</a:t>
             </a:fld>
             <a:endParaRPr kumimoji="1" lang="ja-JP" altLang="en-US"/>
           </a:p>
@@ -2852,7 +2852,7 @@
           <a:p>
             <a:fld id="{25BD4428-D14D-4CEE-A785-8A855102BC60}" type="datetimeFigureOut">
               <a:rPr kumimoji="1" lang="ja-JP" altLang="en-US" smtClean="0"/>
-              <a:t>2016/11/20</a:t>
+              <a:t>2017/7/22</a:t>
             </a:fld>
             <a:endParaRPr kumimoji="1" lang="ja-JP" altLang="en-US"/>
           </a:p>
@@ -4749,8 +4749,8 @@
         </p:nvSpPr>
         <p:spPr>
           <a:xfrm>
-            <a:off x="1353313" y="2975011"/>
-            <a:ext cx="1238880" cy="488290"/>
+            <a:off x="1279427" y="2985779"/>
+            <a:ext cx="1441645" cy="488290"/>
           </a:xfrm>
           <a:prstGeom prst="rect">
             <a:avLst/>
@@ -4782,6 +4782,16 @@
           <a:p>
             <a:pPr algn="ctr"/>
             <a:r>
+              <a:rPr lang="en-US" altLang="ja-JP" sz="1400" dirty="0">
+                <a:solidFill>
+                  <a:schemeClr val="tx1"/>
+                </a:solidFill>
+                <a:latin typeface="メイリオ" panose="020B0604030504040204" pitchFamily="50" charset="-128"/>
+                <a:ea typeface="メイリオ" panose="020B0604030504040204" pitchFamily="50" charset="-128"/>
+              </a:rPr>
+              <a:t>300</a:t>
+            </a:r>
+            <a:r>
               <a:rPr kumimoji="1" lang="en-US" altLang="ja-JP" sz="1400" dirty="0" smtClean="0">
                 <a:solidFill>
                   <a:schemeClr val="tx1"/>
@@ -4789,8 +4799,35 @@
                 <a:latin typeface="メイリオ" panose="020B0604030504040204" pitchFamily="50" charset="-128"/>
                 <a:ea typeface="メイリオ" panose="020B0604030504040204" pitchFamily="50" charset="-128"/>
               </a:rPr>
-              <a:t>80 : 80</a:t>
-            </a:r>
+              <a:t>0 </a:t>
+            </a:r>
+            <a:r>
+              <a:rPr kumimoji="1" lang="en-US" altLang="ja-JP" sz="1400" dirty="0" smtClean="0">
+                <a:solidFill>
+                  <a:schemeClr val="tx1"/>
+                </a:solidFill>
+                <a:latin typeface="メイリオ" panose="020B0604030504040204" pitchFamily="50" charset="-128"/>
+                <a:ea typeface="メイリオ" panose="020B0604030504040204" pitchFamily="50" charset="-128"/>
+              </a:rPr>
+              <a:t>: </a:t>
+            </a:r>
+            <a:r>
+              <a:rPr kumimoji="1" lang="en-US" altLang="ja-JP" sz="1400" dirty="0" smtClean="0">
+                <a:solidFill>
+                  <a:schemeClr val="tx1"/>
+                </a:solidFill>
+                <a:latin typeface="メイリオ" panose="020B0604030504040204" pitchFamily="50" charset="-128"/>
+                <a:ea typeface="メイリオ" panose="020B0604030504040204" pitchFamily="50" charset="-128"/>
+              </a:rPr>
+              <a:t>3000</a:t>
+            </a:r>
+            <a:endParaRPr kumimoji="1" lang="en-US" altLang="ja-JP" sz="1400" dirty="0" smtClean="0">
+              <a:solidFill>
+                <a:schemeClr val="tx1"/>
+              </a:solidFill>
+              <a:latin typeface="メイリオ" panose="020B0604030504040204" pitchFamily="50" charset="-128"/>
+              <a:ea typeface="メイリオ" panose="020B0604030504040204" pitchFamily="50" charset="-128"/>
+            </a:endParaRPr>
           </a:p>
           <a:p>
             <a:pPr algn="ctr"/>
